--- a/Masterarbeit/bildsrc/packageGeneration.pptx
+++ b/Masterarbeit/bildsrc/packageGeneration.pptx
@@ -289,7 +289,7 @@
             <a:fld id="{1BA50D42-C9CD-4801-B293-61D1F53EC57E}" type="datetimeFigureOut">
               <a:rPr lang="de-DE" smtClean="0"/>
               <a:pPr/>
-              <a:t>17.11.2015</a:t>
+              <a:t>18.01.2016</a:t>
             </a:fld>
             <a:endParaRPr lang="de-DE"/>
           </a:p>
@@ -456,7 +456,7 @@
             <a:fld id="{1BA50D42-C9CD-4801-B293-61D1F53EC57E}" type="datetimeFigureOut">
               <a:rPr lang="de-DE" smtClean="0"/>
               <a:pPr/>
-              <a:t>17.11.2015</a:t>
+              <a:t>18.01.2016</a:t>
             </a:fld>
             <a:endParaRPr lang="de-DE"/>
           </a:p>
@@ -633,7 +633,7 @@
             <a:fld id="{1BA50D42-C9CD-4801-B293-61D1F53EC57E}" type="datetimeFigureOut">
               <a:rPr lang="de-DE" smtClean="0"/>
               <a:pPr/>
-              <a:t>17.11.2015</a:t>
+              <a:t>18.01.2016</a:t>
             </a:fld>
             <a:endParaRPr lang="de-DE"/>
           </a:p>
@@ -800,7 +800,7 @@
             <a:fld id="{1BA50D42-C9CD-4801-B293-61D1F53EC57E}" type="datetimeFigureOut">
               <a:rPr lang="de-DE" smtClean="0"/>
               <a:pPr/>
-              <a:t>17.11.2015</a:t>
+              <a:t>18.01.2016</a:t>
             </a:fld>
             <a:endParaRPr lang="de-DE"/>
           </a:p>
@@ -1043,7 +1043,7 @@
             <a:fld id="{1BA50D42-C9CD-4801-B293-61D1F53EC57E}" type="datetimeFigureOut">
               <a:rPr lang="de-DE" smtClean="0"/>
               <a:pPr/>
-              <a:t>17.11.2015</a:t>
+              <a:t>18.01.2016</a:t>
             </a:fld>
             <a:endParaRPr lang="de-DE"/>
           </a:p>
@@ -1328,7 +1328,7 @@
             <a:fld id="{1BA50D42-C9CD-4801-B293-61D1F53EC57E}" type="datetimeFigureOut">
               <a:rPr lang="de-DE" smtClean="0"/>
               <a:pPr/>
-              <a:t>17.11.2015</a:t>
+              <a:t>18.01.2016</a:t>
             </a:fld>
             <a:endParaRPr lang="de-DE"/>
           </a:p>
@@ -1747,7 +1747,7 @@
             <a:fld id="{1BA50D42-C9CD-4801-B293-61D1F53EC57E}" type="datetimeFigureOut">
               <a:rPr lang="de-DE" smtClean="0"/>
               <a:pPr/>
-              <a:t>17.11.2015</a:t>
+              <a:t>18.01.2016</a:t>
             </a:fld>
             <a:endParaRPr lang="de-DE"/>
           </a:p>
@@ -1862,7 +1862,7 @@
             <a:fld id="{1BA50D42-C9CD-4801-B293-61D1F53EC57E}" type="datetimeFigureOut">
               <a:rPr lang="de-DE" smtClean="0"/>
               <a:pPr/>
-              <a:t>17.11.2015</a:t>
+              <a:t>18.01.2016</a:t>
             </a:fld>
             <a:endParaRPr lang="de-DE"/>
           </a:p>
@@ -1954,7 +1954,7 @@
             <a:fld id="{1BA50D42-C9CD-4801-B293-61D1F53EC57E}" type="datetimeFigureOut">
               <a:rPr lang="de-DE" smtClean="0"/>
               <a:pPr/>
-              <a:t>17.11.2015</a:t>
+              <a:t>18.01.2016</a:t>
             </a:fld>
             <a:endParaRPr lang="de-DE"/>
           </a:p>
@@ -2228,7 +2228,7 @@
             <a:fld id="{1BA50D42-C9CD-4801-B293-61D1F53EC57E}" type="datetimeFigureOut">
               <a:rPr lang="de-DE" smtClean="0"/>
               <a:pPr/>
-              <a:t>17.11.2015</a:t>
+              <a:t>18.01.2016</a:t>
             </a:fld>
             <a:endParaRPr lang="de-DE"/>
           </a:p>
@@ -2478,7 +2478,7 @@
             <a:fld id="{1BA50D42-C9CD-4801-B293-61D1F53EC57E}" type="datetimeFigureOut">
               <a:rPr lang="de-DE" smtClean="0"/>
               <a:pPr/>
-              <a:t>17.11.2015</a:t>
+              <a:t>18.01.2016</a:t>
             </a:fld>
             <a:endParaRPr lang="de-DE"/>
           </a:p>
@@ -2688,7 +2688,7 @@
             <a:fld id="{1BA50D42-C9CD-4801-B293-61D1F53EC57E}" type="datetimeFigureOut">
               <a:rPr lang="de-DE" smtClean="0"/>
               <a:pPr/>
-              <a:t>17.11.2015</a:t>
+              <a:t>18.01.2016</a:t>
             </a:fld>
             <a:endParaRPr lang="de-DE"/>
           </a:p>
@@ -3326,7 +3326,7 @@
               </a:pPr>
               <a:r>
                 <a:rPr lang="de-DE" sz="1000" b="1" kern="1200" dirty="0" err="1" smtClean="0"/>
-                <a:t>generoator.properties</a:t>
+                <a:t>generator.properties</a:t>
               </a:r>
               <a:endParaRPr lang="de-DE" sz="1000" b="1" kern="1200" dirty="0"/>
             </a:p>
